--- a/Demo-Slides.pptx
+++ b/Demo-Slides.pptx
@@ -174,7 +174,7 @@
           <a:noFill/>
           <a:extLst>
             <a:ext uri="{909E8E84-426E-40dd-AFC4-6F175D3DCCD1}">
-              <a14:hiddenFill xmlns="" xmlns:a14="http://schemas.microsoft.com/office/drawing/2010/main">
+              <a14:hiddenFill xmlns:a14="http://schemas.microsoft.com/office/drawing/2010/main" xmlns="">
                 <a:solidFill>
                   <a:srgbClr val="FFFFFF"/>
                 </a:solidFill>
@@ -234,7 +234,7 @@
             </a:ln>
             <a:extLst>
               <a:ext uri="{91240B29-F687-4f45-9708-019B960494DF}">
-                <a14:hiddenLine xmlns="" xmlns:a14="http://schemas.microsoft.com/office/drawing/2010/main" w="9525">
+                <a14:hiddenLine xmlns:a14="http://schemas.microsoft.com/office/drawing/2010/main" xmlns="" w="9525">
                   <a:solidFill>
                     <a:srgbClr val="000000"/>
                   </a:solidFill>
@@ -324,7 +324,7 @@
             </a:ln>
             <a:extLst>
               <a:ext uri="{91240B29-F687-4f45-9708-019B960494DF}">
-                <a14:hiddenLine xmlns="" xmlns:a14="http://schemas.microsoft.com/office/drawing/2010/main" w="9525">
+                <a14:hiddenLine xmlns:a14="http://schemas.microsoft.com/office/drawing/2010/main" xmlns="" w="9525">
                   <a:solidFill>
                     <a:srgbClr val="000000"/>
                   </a:solidFill>
@@ -414,7 +414,7 @@
             </a:ln>
             <a:extLst>
               <a:ext uri="{91240B29-F687-4f45-9708-019B960494DF}">
-                <a14:hiddenLine xmlns="" xmlns:a14="http://schemas.microsoft.com/office/drawing/2010/main" w="9525">
+                <a14:hiddenLine xmlns:a14="http://schemas.microsoft.com/office/drawing/2010/main" xmlns="" w="9525">
                   <a:solidFill>
                     <a:srgbClr val="000000"/>
                   </a:solidFill>
@@ -448,7 +448,7 @@
             </a:ln>
             <a:extLst>
               <a:ext uri="{91240B29-F687-4f45-9708-019B960494DF}">
-                <a14:hiddenLine xmlns="" xmlns:a14="http://schemas.microsoft.com/office/drawing/2010/main" w="9525">
+                <a14:hiddenLine xmlns:a14="http://schemas.microsoft.com/office/drawing/2010/main" xmlns="" w="9525">
                   <a:solidFill>
                     <a:srgbClr val="000000"/>
                   </a:solidFill>
@@ -538,7 +538,7 @@
             </a:ln>
             <a:extLst>
               <a:ext uri="{91240B29-F687-4f45-9708-019B960494DF}">
-                <a14:hiddenLine xmlns="" xmlns:a14="http://schemas.microsoft.com/office/drawing/2010/main" w="9525">
+                <a14:hiddenLine xmlns:a14="http://schemas.microsoft.com/office/drawing/2010/main" xmlns="" w="9525">
                   <a:solidFill>
                     <a:srgbClr val="000000"/>
                   </a:solidFill>
@@ -600,7 +600,7 @@
             </a:ln>
             <a:extLst>
               <a:ext uri="{91240B29-F687-4f45-9708-019B960494DF}">
-                <a14:hiddenLine xmlns="" xmlns:a14="http://schemas.microsoft.com/office/drawing/2010/main" w="9525">
+                <a14:hiddenLine xmlns:a14="http://schemas.microsoft.com/office/drawing/2010/main" xmlns="" w="9525">
                   <a:solidFill>
                     <a:srgbClr val="000000"/>
                   </a:solidFill>
@@ -662,7 +662,7 @@
             </a:ln>
             <a:extLst>
               <a:ext uri="{91240B29-F687-4f45-9708-019B960494DF}">
-                <a14:hiddenLine xmlns="" xmlns:a14="http://schemas.microsoft.com/office/drawing/2010/main" w="9525">
+                <a14:hiddenLine xmlns:a14="http://schemas.microsoft.com/office/drawing/2010/main" xmlns="" w="9525">
                   <a:solidFill>
                     <a:srgbClr val="000000"/>
                   </a:solidFill>
@@ -752,7 +752,7 @@
             </a:ln>
             <a:extLst>
               <a:ext uri="{91240B29-F687-4f45-9708-019B960494DF}">
-                <a14:hiddenLine xmlns="" xmlns:a14="http://schemas.microsoft.com/office/drawing/2010/main" w="9525">
+                <a14:hiddenLine xmlns:a14="http://schemas.microsoft.com/office/drawing/2010/main" xmlns="" w="9525">
                   <a:solidFill>
                     <a:srgbClr val="000000"/>
                   </a:solidFill>
@@ -814,7 +814,7 @@
             </a:ln>
             <a:extLst>
               <a:ext uri="{91240B29-F687-4f45-9708-019B960494DF}">
-                <a14:hiddenLine xmlns="" xmlns:a14="http://schemas.microsoft.com/office/drawing/2010/main" w="9525">
+                <a14:hiddenLine xmlns:a14="http://schemas.microsoft.com/office/drawing/2010/main" xmlns="" w="9525">
                   <a:solidFill>
                     <a:srgbClr val="000000"/>
                   </a:solidFill>
@@ -876,7 +876,7 @@
             </a:ln>
             <a:extLst>
               <a:ext uri="{91240B29-F687-4f45-9708-019B960494DF}">
-                <a14:hiddenLine xmlns="" xmlns:a14="http://schemas.microsoft.com/office/drawing/2010/main" w="9525">
+                <a14:hiddenLine xmlns:a14="http://schemas.microsoft.com/office/drawing/2010/main" xmlns="" w="9525">
                   <a:solidFill>
                     <a:srgbClr val="000000"/>
                   </a:solidFill>
@@ -966,7 +966,7 @@
             </a:ln>
             <a:extLst>
               <a:ext uri="{91240B29-F687-4f45-9708-019B960494DF}">
-                <a14:hiddenLine xmlns="" xmlns:a14="http://schemas.microsoft.com/office/drawing/2010/main" w="9525">
+                <a14:hiddenLine xmlns:a14="http://schemas.microsoft.com/office/drawing/2010/main" xmlns="" w="9525">
                   <a:solidFill>
                     <a:srgbClr val="000000"/>
                   </a:solidFill>
@@ -1056,7 +1056,7 @@
             </a:ln>
             <a:extLst>
               <a:ext uri="{91240B29-F687-4f45-9708-019B960494DF}">
-                <a14:hiddenLine xmlns="" xmlns:a14="http://schemas.microsoft.com/office/drawing/2010/main" w="9525">
+                <a14:hiddenLine xmlns:a14="http://schemas.microsoft.com/office/drawing/2010/main" xmlns="" w="9525">
                   <a:solidFill>
                     <a:srgbClr val="000000"/>
                   </a:solidFill>
@@ -1118,7 +1118,7 @@
             </a:ln>
             <a:extLst>
               <a:ext uri="{91240B29-F687-4f45-9708-019B960494DF}">
-                <a14:hiddenLine xmlns="" xmlns:a14="http://schemas.microsoft.com/office/drawing/2010/main" w="9525">
+                <a14:hiddenLine xmlns:a14="http://schemas.microsoft.com/office/drawing/2010/main" xmlns="" w="9525">
                   <a:solidFill>
                     <a:srgbClr val="000000"/>
                   </a:solidFill>
@@ -1228,7 +1228,7 @@
             </a:ln>
             <a:extLst>
               <a:ext uri="{91240B29-F687-4f45-9708-019B960494DF}">
-                <a14:hiddenLine xmlns="" xmlns:a14="http://schemas.microsoft.com/office/drawing/2010/main" w="9525">
+                <a14:hiddenLine xmlns:a14="http://schemas.microsoft.com/office/drawing/2010/main" xmlns="" w="9525">
                   <a:solidFill>
                     <a:srgbClr val="000000"/>
                   </a:solidFill>
@@ -1290,7 +1290,7 @@
             </a:ln>
             <a:extLst>
               <a:ext uri="{91240B29-F687-4f45-9708-019B960494DF}">
-                <a14:hiddenLine xmlns="" xmlns:a14="http://schemas.microsoft.com/office/drawing/2010/main" w="9525">
+                <a14:hiddenLine xmlns:a14="http://schemas.microsoft.com/office/drawing/2010/main" xmlns="" w="9525">
                   <a:solidFill>
                     <a:srgbClr val="000000"/>
                   </a:solidFill>
@@ -1380,7 +1380,7 @@
             </a:ln>
             <a:extLst>
               <a:ext uri="{91240B29-F687-4f45-9708-019B960494DF}">
-                <a14:hiddenLine xmlns="" xmlns:a14="http://schemas.microsoft.com/office/drawing/2010/main" w="9525">
+                <a14:hiddenLine xmlns:a14="http://schemas.microsoft.com/office/drawing/2010/main" xmlns="" w="9525">
                   <a:solidFill>
                     <a:srgbClr val="000000"/>
                   </a:solidFill>
@@ -1470,7 +1470,7 @@
             </a:ln>
             <a:extLst>
               <a:ext uri="{91240B29-F687-4f45-9708-019B960494DF}">
-                <a14:hiddenLine xmlns="" xmlns:a14="http://schemas.microsoft.com/office/drawing/2010/main" w="9525">
+                <a14:hiddenLine xmlns:a14="http://schemas.microsoft.com/office/drawing/2010/main" xmlns="" w="9525">
                   <a:solidFill>
                     <a:srgbClr val="000000"/>
                   </a:solidFill>
@@ -1532,7 +1532,7 @@
             </a:ln>
             <a:extLst>
               <a:ext uri="{91240B29-F687-4f45-9708-019B960494DF}">
-                <a14:hiddenLine xmlns="" xmlns:a14="http://schemas.microsoft.com/office/drawing/2010/main" w="9525">
+                <a14:hiddenLine xmlns:a14="http://schemas.microsoft.com/office/drawing/2010/main" xmlns="" w="9525">
                   <a:solidFill>
                     <a:srgbClr val="000000"/>
                   </a:solidFill>
@@ -1622,7 +1622,7 @@
             </a:ln>
             <a:extLst>
               <a:ext uri="{91240B29-F687-4f45-9708-019B960494DF}">
-                <a14:hiddenLine xmlns="" xmlns:a14="http://schemas.microsoft.com/office/drawing/2010/main" w="9525">
+                <a14:hiddenLine xmlns:a14="http://schemas.microsoft.com/office/drawing/2010/main" xmlns="" w="9525">
                   <a:solidFill>
                     <a:srgbClr val="000000"/>
                   </a:solidFill>
@@ -1712,7 +1712,7 @@
             </a:ln>
             <a:extLst>
               <a:ext uri="{91240B29-F687-4f45-9708-019B960494DF}">
-                <a14:hiddenLine xmlns="" xmlns:a14="http://schemas.microsoft.com/office/drawing/2010/main" w="9525">
+                <a14:hiddenLine xmlns:a14="http://schemas.microsoft.com/office/drawing/2010/main" xmlns="" w="9525">
                   <a:solidFill>
                     <a:srgbClr val="000000"/>
                   </a:solidFill>
@@ -1768,7 +1768,7 @@
             </a:ln>
             <a:extLst>
               <a:ext uri="{91240B29-F687-4f45-9708-019B960494DF}">
-                <a14:hiddenLine xmlns="" xmlns:a14="http://schemas.microsoft.com/office/drawing/2010/main" w="9525">
+                <a14:hiddenLine xmlns:a14="http://schemas.microsoft.com/office/drawing/2010/main" xmlns="" w="9525">
                   <a:solidFill>
                     <a:srgbClr val="000000"/>
                   </a:solidFill>
@@ -1858,7 +1858,7 @@
             </a:ln>
             <a:extLst>
               <a:ext uri="{91240B29-F687-4f45-9708-019B960494DF}">
-                <a14:hiddenLine xmlns="" xmlns:a14="http://schemas.microsoft.com/office/drawing/2010/main" w="9525">
+                <a14:hiddenLine xmlns:a14="http://schemas.microsoft.com/office/drawing/2010/main" xmlns="" w="9525">
                   <a:solidFill>
                     <a:srgbClr val="000000"/>
                   </a:solidFill>
@@ -1914,7 +1914,7 @@
             </a:ln>
             <a:extLst>
               <a:ext uri="{91240B29-F687-4f45-9708-019B960494DF}">
-                <a14:hiddenLine xmlns="" xmlns:a14="http://schemas.microsoft.com/office/drawing/2010/main" w="9525">
+                <a14:hiddenLine xmlns:a14="http://schemas.microsoft.com/office/drawing/2010/main" xmlns="" w="9525">
                   <a:solidFill>
                     <a:srgbClr val="000000"/>
                   </a:solidFill>
@@ -2004,7 +2004,7 @@
             </a:ln>
             <a:extLst>
               <a:ext uri="{91240B29-F687-4f45-9708-019B960494DF}">
-                <a14:hiddenLine xmlns="" xmlns:a14="http://schemas.microsoft.com/office/drawing/2010/main" w="9525">
+                <a14:hiddenLine xmlns:a14="http://schemas.microsoft.com/office/drawing/2010/main" xmlns="" w="9525">
                   <a:solidFill>
                     <a:srgbClr val="000000"/>
                   </a:solidFill>
@@ -2072,7 +2072,7 @@
             </a:ln>
             <a:extLst>
               <a:ext uri="{91240B29-F687-4f45-9708-019B960494DF}">
-                <a14:hiddenLine xmlns="" xmlns:a14="http://schemas.microsoft.com/office/drawing/2010/main" w="9525">
+                <a14:hiddenLine xmlns:a14="http://schemas.microsoft.com/office/drawing/2010/main" xmlns="" w="9525">
                   <a:solidFill>
                     <a:srgbClr val="000000"/>
                   </a:solidFill>
@@ -2162,7 +2162,7 @@
             </a:ln>
             <a:extLst>
               <a:ext uri="{91240B29-F687-4f45-9708-019B960494DF}">
-                <a14:hiddenLine xmlns="" xmlns:a14="http://schemas.microsoft.com/office/drawing/2010/main" w="9525">
+                <a14:hiddenLine xmlns:a14="http://schemas.microsoft.com/office/drawing/2010/main" xmlns="" w="9525">
                   <a:solidFill>
                     <a:srgbClr val="000000"/>
                   </a:solidFill>
@@ -2230,7 +2230,7 @@
             </a:ln>
             <a:extLst>
               <a:ext uri="{91240B29-F687-4f45-9708-019B960494DF}">
-                <a14:hiddenLine xmlns="" xmlns:a14="http://schemas.microsoft.com/office/drawing/2010/main" w="9525">
+                <a14:hiddenLine xmlns:a14="http://schemas.microsoft.com/office/drawing/2010/main" xmlns="" w="9525">
                   <a:solidFill>
                     <a:srgbClr val="000000"/>
                   </a:solidFill>
@@ -2320,7 +2320,7 @@
             </a:ln>
             <a:extLst>
               <a:ext uri="{91240B29-F687-4f45-9708-019B960494DF}">
-                <a14:hiddenLine xmlns="" xmlns:a14="http://schemas.microsoft.com/office/drawing/2010/main" w="9525">
+                <a14:hiddenLine xmlns:a14="http://schemas.microsoft.com/office/drawing/2010/main" xmlns="" w="9525">
                   <a:solidFill>
                     <a:srgbClr val="000000"/>
                   </a:solidFill>
@@ -2354,7 +2354,7 @@
             </a:ln>
             <a:extLst>
               <a:ext uri="{91240B29-F687-4f45-9708-019B960494DF}">
-                <a14:hiddenLine xmlns="" xmlns:a14="http://schemas.microsoft.com/office/drawing/2010/main" w="9525">
+                <a14:hiddenLine xmlns:a14="http://schemas.microsoft.com/office/drawing/2010/main" xmlns="" w="9525">
                   <a:solidFill>
                     <a:srgbClr val="000000"/>
                   </a:solidFill>
@@ -2444,7 +2444,7 @@
             </a:ln>
             <a:extLst>
               <a:ext uri="{91240B29-F687-4f45-9708-019B960494DF}">
-                <a14:hiddenLine xmlns="" xmlns:a14="http://schemas.microsoft.com/office/drawing/2010/main" w="9525">
+                <a14:hiddenLine xmlns:a14="http://schemas.microsoft.com/office/drawing/2010/main" xmlns="" w="9525">
                   <a:solidFill>
                     <a:srgbClr val="000000"/>
                   </a:solidFill>
@@ -2506,7 +2506,7 @@
             </a:ln>
             <a:extLst>
               <a:ext uri="{91240B29-F687-4f45-9708-019B960494DF}">
-                <a14:hiddenLine xmlns="" xmlns:a14="http://schemas.microsoft.com/office/drawing/2010/main" w="9525">
+                <a14:hiddenLine xmlns:a14="http://schemas.microsoft.com/office/drawing/2010/main" xmlns="" w="9525">
                   <a:solidFill>
                     <a:srgbClr val="000000"/>
                   </a:solidFill>
@@ -2568,7 +2568,7 @@
             </a:ln>
             <a:extLst>
               <a:ext uri="{91240B29-F687-4f45-9708-019B960494DF}">
-                <a14:hiddenLine xmlns="" xmlns:a14="http://schemas.microsoft.com/office/drawing/2010/main" w="9525">
+                <a14:hiddenLine xmlns:a14="http://schemas.microsoft.com/office/drawing/2010/main" xmlns="" w="9525">
                   <a:solidFill>
                     <a:srgbClr val="000000"/>
                   </a:solidFill>
@@ -2658,7 +2658,7 @@
             </a:ln>
             <a:extLst>
               <a:ext uri="{91240B29-F687-4f45-9708-019B960494DF}">
-                <a14:hiddenLine xmlns="" xmlns:a14="http://schemas.microsoft.com/office/drawing/2010/main" w="9525">
+                <a14:hiddenLine xmlns:a14="http://schemas.microsoft.com/office/drawing/2010/main" xmlns="" w="9525">
                   <a:solidFill>
                     <a:srgbClr val="000000"/>
                   </a:solidFill>
@@ -2726,7 +2726,7 @@
             </a:ln>
             <a:extLst>
               <a:ext uri="{91240B29-F687-4f45-9708-019B960494DF}">
-                <a14:hiddenLine xmlns="" xmlns:a14="http://schemas.microsoft.com/office/drawing/2010/main" w="9525">
+                <a14:hiddenLine xmlns:a14="http://schemas.microsoft.com/office/drawing/2010/main" xmlns="" w="9525">
                   <a:solidFill>
                     <a:srgbClr val="000000"/>
                   </a:solidFill>
@@ -2788,7 +2788,7 @@
             </a:ln>
             <a:extLst>
               <a:ext uri="{91240B29-F687-4f45-9708-019B960494DF}">
-                <a14:hiddenLine xmlns="" xmlns:a14="http://schemas.microsoft.com/office/drawing/2010/main" w="9525">
+                <a14:hiddenLine xmlns:a14="http://schemas.microsoft.com/office/drawing/2010/main" xmlns="" w="9525">
                   <a:solidFill>
                     <a:srgbClr val="000000"/>
                   </a:solidFill>
@@ -2878,7 +2878,7 @@
             </a:ln>
             <a:extLst>
               <a:ext uri="{91240B29-F687-4f45-9708-019B960494DF}">
-                <a14:hiddenLine xmlns="" xmlns:a14="http://schemas.microsoft.com/office/drawing/2010/main" w="9525">
+                <a14:hiddenLine xmlns:a14="http://schemas.microsoft.com/office/drawing/2010/main" xmlns="" w="9525">
                   <a:solidFill>
                     <a:srgbClr val="000000"/>
                   </a:solidFill>
@@ -2940,7 +2940,7 @@
             </a:ln>
             <a:extLst>
               <a:ext uri="{91240B29-F687-4f45-9708-019B960494DF}">
-                <a14:hiddenLine xmlns="" xmlns:a14="http://schemas.microsoft.com/office/drawing/2010/main" w="9525">
+                <a14:hiddenLine xmlns:a14="http://schemas.microsoft.com/office/drawing/2010/main" xmlns="" w="9525">
                   <a:solidFill>
                     <a:srgbClr val="000000"/>
                   </a:solidFill>
@@ -3030,7 +3030,7 @@
             </a:ln>
             <a:extLst>
               <a:ext uri="{91240B29-F687-4f45-9708-019B960494DF}">
-                <a14:hiddenLine xmlns="" xmlns:a14="http://schemas.microsoft.com/office/drawing/2010/main" w="9525">
+                <a14:hiddenLine xmlns:a14="http://schemas.microsoft.com/office/drawing/2010/main" xmlns="" w="9525">
                   <a:solidFill>
                     <a:srgbClr val="000000"/>
                   </a:solidFill>
@@ -3092,7 +3092,7 @@
             </a:ln>
             <a:extLst>
               <a:ext uri="{91240B29-F687-4f45-9708-019B960494DF}">
-                <a14:hiddenLine xmlns="" xmlns:a14="http://schemas.microsoft.com/office/drawing/2010/main" w="9525">
+                <a14:hiddenLine xmlns:a14="http://schemas.microsoft.com/office/drawing/2010/main" xmlns="" w="9525">
                   <a:solidFill>
                     <a:srgbClr val="000000"/>
                   </a:solidFill>
@@ -3182,7 +3182,7 @@
             </a:ln>
             <a:extLst>
               <a:ext uri="{91240B29-F687-4f45-9708-019B960494DF}">
-                <a14:hiddenLine xmlns="" xmlns:a14="http://schemas.microsoft.com/office/drawing/2010/main" w="9525">
+                <a14:hiddenLine xmlns:a14="http://schemas.microsoft.com/office/drawing/2010/main" xmlns="" w="9525">
                   <a:solidFill>
                     <a:srgbClr val="000000"/>
                   </a:solidFill>
@@ -3216,7 +3216,7 @@
             </a:ln>
             <a:extLst>
               <a:ext uri="{91240B29-F687-4f45-9708-019B960494DF}">
-                <a14:hiddenLine xmlns="" xmlns:a14="http://schemas.microsoft.com/office/drawing/2010/main" w="9525">
+                <a14:hiddenLine xmlns:a14="http://schemas.microsoft.com/office/drawing/2010/main" xmlns="" w="9525">
                   <a:solidFill>
                     <a:srgbClr val="000000"/>
                   </a:solidFill>
@@ -3281,7 +3281,7 @@
             </a:ln>
             <a:extLst>
               <a:ext uri="{91240B29-F687-4f45-9708-019B960494DF}">
-                <a14:hiddenLine xmlns="" xmlns:a14="http://schemas.microsoft.com/office/drawing/2010/main" w="9525">
+                <a14:hiddenLine xmlns:a14="http://schemas.microsoft.com/office/drawing/2010/main" xmlns="" w="9525">
                   <a:solidFill>
                     <a:srgbClr val="000000"/>
                   </a:solidFill>
@@ -3371,7 +3371,7 @@
             </a:ln>
             <a:extLst>
               <a:ext uri="{91240B29-F687-4f45-9708-019B960494DF}">
-                <a14:hiddenLine xmlns="" xmlns:a14="http://schemas.microsoft.com/office/drawing/2010/main" w="9525">
+                <a14:hiddenLine xmlns:a14="http://schemas.microsoft.com/office/drawing/2010/main" xmlns="" w="9525">
                   <a:solidFill>
                     <a:srgbClr val="000000"/>
                   </a:solidFill>
@@ -3433,7 +3433,7 @@
             </a:ln>
             <a:extLst>
               <a:ext uri="{91240B29-F687-4f45-9708-019B960494DF}">
-                <a14:hiddenLine xmlns="" xmlns:a14="http://schemas.microsoft.com/office/drawing/2010/main" w="9525">
+                <a14:hiddenLine xmlns:a14="http://schemas.microsoft.com/office/drawing/2010/main" xmlns="" w="9525">
                   <a:solidFill>
                     <a:srgbClr val="000000"/>
                   </a:solidFill>
@@ -3523,7 +3523,7 @@
             </a:ln>
             <a:extLst>
               <a:ext uri="{91240B29-F687-4f45-9708-019B960494DF}">
-                <a14:hiddenLine xmlns="" xmlns:a14="http://schemas.microsoft.com/office/drawing/2010/main" w="9525">
+                <a14:hiddenLine xmlns:a14="http://schemas.microsoft.com/office/drawing/2010/main" xmlns="" w="9525">
                   <a:solidFill>
                     <a:srgbClr val="000000"/>
                   </a:solidFill>
@@ -3613,7 +3613,7 @@
             </a:ln>
             <a:extLst>
               <a:ext uri="{91240B29-F687-4f45-9708-019B960494DF}">
-                <a14:hiddenLine xmlns="" xmlns:a14="http://schemas.microsoft.com/office/drawing/2010/main" w="9525">
+                <a14:hiddenLine xmlns:a14="http://schemas.microsoft.com/office/drawing/2010/main" xmlns="" w="9525">
                   <a:solidFill>
                     <a:srgbClr val="000000"/>
                   </a:solidFill>
@@ -3678,7 +3678,7 @@
             </a:ln>
             <a:extLst>
               <a:ext uri="{91240B29-F687-4f45-9708-019B960494DF}">
-                <a14:hiddenLine xmlns="" xmlns:a14="http://schemas.microsoft.com/office/drawing/2010/main" w="9525">
+                <a14:hiddenLine xmlns:a14="http://schemas.microsoft.com/office/drawing/2010/main" xmlns="" w="9525">
                   <a:solidFill>
                     <a:srgbClr val="000000"/>
                   </a:solidFill>
@@ -3740,7 +3740,7 @@
             </a:ln>
             <a:extLst>
               <a:ext uri="{91240B29-F687-4f45-9708-019B960494DF}">
-                <a14:hiddenLine xmlns="" xmlns:a14="http://schemas.microsoft.com/office/drawing/2010/main" w="9525">
+                <a14:hiddenLine xmlns:a14="http://schemas.microsoft.com/office/drawing/2010/main" xmlns="" w="9525">
                   <a:solidFill>
                     <a:srgbClr val="000000"/>
                   </a:solidFill>
@@ -3830,7 +3830,7 @@
             </a:ln>
             <a:extLst>
               <a:ext uri="{91240B29-F687-4f45-9708-019B960494DF}">
-                <a14:hiddenLine xmlns="" xmlns:a14="http://schemas.microsoft.com/office/drawing/2010/main" w="9525">
+                <a14:hiddenLine xmlns:a14="http://schemas.microsoft.com/office/drawing/2010/main" xmlns="" w="9525">
                   <a:solidFill>
                     <a:srgbClr val="000000"/>
                   </a:solidFill>
@@ -3920,7 +3920,7 @@
             </a:ln>
             <a:extLst>
               <a:ext uri="{91240B29-F687-4f45-9708-019B960494DF}">
-                <a14:hiddenLine xmlns="" xmlns:a14="http://schemas.microsoft.com/office/drawing/2010/main" w="9525">
+                <a14:hiddenLine xmlns:a14="http://schemas.microsoft.com/office/drawing/2010/main" xmlns="" w="9525">
                   <a:solidFill>
                     <a:srgbClr val="000000"/>
                   </a:solidFill>
@@ -3982,7 +3982,7 @@
             </a:ln>
             <a:extLst>
               <a:ext uri="{91240B29-F687-4f45-9708-019B960494DF}">
-                <a14:hiddenLine xmlns="" xmlns:a14="http://schemas.microsoft.com/office/drawing/2010/main" w="9525">
+                <a14:hiddenLine xmlns:a14="http://schemas.microsoft.com/office/drawing/2010/main" xmlns="" w="9525">
                   <a:solidFill>
                     <a:srgbClr val="000000"/>
                   </a:solidFill>
@@ -4102,7 +4102,7 @@
             </a:ln>
             <a:extLst>
               <a:ext uri="{91240B29-F687-4f45-9708-019B960494DF}">
-                <a14:hiddenLine xmlns="" xmlns:a14="http://schemas.microsoft.com/office/drawing/2010/main" w="9525">
+                <a14:hiddenLine xmlns:a14="http://schemas.microsoft.com/office/drawing/2010/main" xmlns="" w="9525">
                   <a:solidFill>
                     <a:srgbClr val="000000"/>
                   </a:solidFill>
@@ -4170,7 +4170,7 @@
             </a:ln>
             <a:extLst>
               <a:ext uri="{91240B29-F687-4f45-9708-019B960494DF}">
-                <a14:hiddenLine xmlns="" xmlns:a14="http://schemas.microsoft.com/office/drawing/2010/main" w="9525">
+                <a14:hiddenLine xmlns:a14="http://schemas.microsoft.com/office/drawing/2010/main" xmlns="" w="9525">
                   <a:solidFill>
                     <a:srgbClr val="000000"/>
                   </a:solidFill>
@@ -4260,7 +4260,7 @@
             </a:ln>
             <a:extLst>
               <a:ext uri="{91240B29-F687-4f45-9708-019B960494DF}">
-                <a14:hiddenLine xmlns="" xmlns:a14="http://schemas.microsoft.com/office/drawing/2010/main" w="9525">
+                <a14:hiddenLine xmlns:a14="http://schemas.microsoft.com/office/drawing/2010/main" xmlns="" w="9525">
                   <a:solidFill>
                     <a:srgbClr val="000000"/>
                   </a:solidFill>
@@ -4400,7 +4400,7 @@
           <a:p>
             <a:fld id="{56A16C53-2A24-4586-AB7F-B53C9D96C8C3}" type="datetimeFigureOut">
               <a:rPr lang="en-US" smtClean="0"/>
-              <a:t>10/19/20</a:t>
+              <a:t>2020-10-19</a:t>
             </a:fld>
             <a:endParaRPr lang="en-US"/>
           </a:p>
@@ -4667,7 +4667,7 @@
           <a:p>
             <a:fld id="{56A16C53-2A24-4586-AB7F-B53C9D96C8C3}" type="datetimeFigureOut">
               <a:rPr lang="en-US" smtClean="0"/>
-              <a:t>10/19/20</a:t>
+              <a:t>2020-10-19</a:t>
             </a:fld>
             <a:endParaRPr lang="en-US"/>
           </a:p>
@@ -4863,7 +4863,7 @@
           <a:p>
             <a:fld id="{56A16C53-2A24-4586-AB7F-B53C9D96C8C3}" type="datetimeFigureOut">
               <a:rPr lang="en-US" smtClean="0"/>
-              <a:t>10/19/20</a:t>
+              <a:t>2020-10-19</a:t>
             </a:fld>
             <a:endParaRPr lang="en-US"/>
           </a:p>
@@ -5126,7 +5126,7 @@
           <a:p>
             <a:fld id="{56A16C53-2A24-4586-AB7F-B53C9D96C8C3}" type="datetimeFigureOut">
               <a:rPr lang="en-US" smtClean="0"/>
-              <a:t>10/19/20</a:t>
+              <a:t>2020-10-19</a:t>
             </a:fld>
             <a:endParaRPr lang="en-US"/>
           </a:p>
@@ -5560,7 +5560,7 @@
           <a:p>
             <a:fld id="{56A16C53-2A24-4586-AB7F-B53C9D96C8C3}" type="datetimeFigureOut">
               <a:rPr lang="en-US" smtClean="0"/>
-              <a:t>10/19/20</a:t>
+              <a:t>2020-10-19</a:t>
             </a:fld>
             <a:endParaRPr lang="en-US"/>
           </a:p>
@@ -6106,7 +6106,7 @@
           <a:p>
             <a:fld id="{56A16C53-2A24-4586-AB7F-B53C9D96C8C3}" type="datetimeFigureOut">
               <a:rPr lang="en-US" smtClean="0"/>
-              <a:t>10/19/20</a:t>
+              <a:t>2020-10-19</a:t>
             </a:fld>
             <a:endParaRPr lang="en-US"/>
           </a:p>
@@ -6826,7 +6826,7 @@
           <a:p>
             <a:fld id="{56A16C53-2A24-4586-AB7F-B53C9D96C8C3}" type="datetimeFigureOut">
               <a:rPr lang="en-US" smtClean="0"/>
-              <a:t>10/19/20</a:t>
+              <a:t>2020-10-19</a:t>
             </a:fld>
             <a:endParaRPr lang="en-US"/>
           </a:p>
@@ -6996,7 +6996,7 @@
           <a:p>
             <a:fld id="{56A16C53-2A24-4586-AB7F-B53C9D96C8C3}" type="datetimeFigureOut">
               <a:rPr lang="en-US" smtClean="0"/>
-              <a:t>10/19/20</a:t>
+              <a:t>2020-10-19</a:t>
             </a:fld>
             <a:endParaRPr lang="en-US"/>
           </a:p>
@@ -7176,7 +7176,7 @@
           <a:p>
             <a:fld id="{56A16C53-2A24-4586-AB7F-B53C9D96C8C3}" type="datetimeFigureOut">
               <a:rPr lang="en-US" smtClean="0"/>
-              <a:t>10/19/20</a:t>
+              <a:t>2020-10-19</a:t>
             </a:fld>
             <a:endParaRPr lang="en-US"/>
           </a:p>
@@ -7346,7 +7346,7 @@
           <a:p>
             <a:fld id="{56A16C53-2A24-4586-AB7F-B53C9D96C8C3}" type="datetimeFigureOut">
               <a:rPr lang="en-US" smtClean="0"/>
-              <a:t>10/19/20</a:t>
+              <a:t>2020-10-19</a:t>
             </a:fld>
             <a:endParaRPr lang="en-US"/>
           </a:p>
@@ -7596,7 +7596,7 @@
           <a:p>
             <a:fld id="{56A16C53-2A24-4586-AB7F-B53C9D96C8C3}" type="datetimeFigureOut">
               <a:rPr lang="en-US" smtClean="0"/>
-              <a:t>10/19/20</a:t>
+              <a:t>2020-10-19</a:t>
             </a:fld>
             <a:endParaRPr lang="en-US"/>
           </a:p>
@@ -7828,7 +7828,7 @@
           <a:p>
             <a:fld id="{56A16C53-2A24-4586-AB7F-B53C9D96C8C3}" type="datetimeFigureOut">
               <a:rPr lang="en-US" smtClean="0"/>
-              <a:t>10/19/20</a:t>
+              <a:t>2020-10-19</a:t>
             </a:fld>
             <a:endParaRPr lang="en-US"/>
           </a:p>
@@ -8209,7 +8209,7 @@
           <a:p>
             <a:fld id="{56A16C53-2A24-4586-AB7F-B53C9D96C8C3}" type="datetimeFigureOut">
               <a:rPr lang="en-US" smtClean="0"/>
-              <a:t>10/19/20</a:t>
+              <a:t>2020-10-19</a:t>
             </a:fld>
             <a:endParaRPr lang="en-US"/>
           </a:p>
@@ -8327,7 +8327,7 @@
           <a:p>
             <a:fld id="{56A16C53-2A24-4586-AB7F-B53C9D96C8C3}" type="datetimeFigureOut">
               <a:rPr lang="en-US" smtClean="0"/>
-              <a:t>10/19/20</a:t>
+              <a:t>2020-10-19</a:t>
             </a:fld>
             <a:endParaRPr lang="en-US"/>
           </a:p>
@@ -8422,7 +8422,7 @@
           <a:p>
             <a:fld id="{56A16C53-2A24-4586-AB7F-B53C9D96C8C3}" type="datetimeFigureOut">
               <a:rPr lang="en-US" smtClean="0"/>
-              <a:t>10/19/20</a:t>
+              <a:t>2020-10-19</a:t>
             </a:fld>
             <a:endParaRPr lang="en-US"/>
           </a:p>
@@ -8671,7 +8671,7 @@
           <a:p>
             <a:fld id="{56A16C53-2A24-4586-AB7F-B53C9D96C8C3}" type="datetimeFigureOut">
               <a:rPr lang="en-US" smtClean="0"/>
-              <a:t>10/19/20</a:t>
+              <a:t>2020-10-19</a:t>
             </a:fld>
             <a:endParaRPr lang="en-US"/>
           </a:p>
@@ -8951,7 +8951,7 @@
           <a:p>
             <a:fld id="{56A16C53-2A24-4586-AB7F-B53C9D96C8C3}" type="datetimeFigureOut">
               <a:rPr lang="en-US" smtClean="0"/>
-              <a:t>10/19/20</a:t>
+              <a:t>2020-10-19</a:t>
             </a:fld>
             <a:endParaRPr lang="en-US"/>
           </a:p>
@@ -9067,7 +9067,7 @@
           <a:noFill/>
           <a:extLst>
             <a:ext uri="{909E8E84-426E-40dd-AFC4-6F175D3DCCD1}">
-              <a14:hiddenFill xmlns="" xmlns:a14="http://schemas.microsoft.com/office/drawing/2010/main">
+              <a14:hiddenFill xmlns:a14="http://schemas.microsoft.com/office/drawing/2010/main" xmlns="">
                 <a:solidFill>
                   <a:srgbClr val="FFFFFF"/>
                 </a:solidFill>
@@ -9141,7 +9141,7 @@
               </a:ln>
               <a:extLst>
                 <a:ext uri="{91240B29-F687-4f45-9708-019B960494DF}">
-                  <a14:hiddenLine xmlns="" xmlns:a14="http://schemas.microsoft.com/office/drawing/2010/main" w="9525">
+                  <a14:hiddenLine xmlns:a14="http://schemas.microsoft.com/office/drawing/2010/main" xmlns="" w="9525">
                     <a:solidFill>
                       <a:srgbClr val="000000"/>
                     </a:solidFill>
@@ -9231,7 +9231,7 @@
               </a:ln>
               <a:extLst>
                 <a:ext uri="{91240B29-F687-4f45-9708-019B960494DF}">
-                  <a14:hiddenLine xmlns="" xmlns:a14="http://schemas.microsoft.com/office/drawing/2010/main" w="9525">
+                  <a14:hiddenLine xmlns:a14="http://schemas.microsoft.com/office/drawing/2010/main" xmlns="" w="9525">
                     <a:solidFill>
                       <a:srgbClr val="000000"/>
                     </a:solidFill>
@@ -9321,7 +9321,7 @@
               </a:ln>
               <a:extLst>
                 <a:ext uri="{91240B29-F687-4f45-9708-019B960494DF}">
-                  <a14:hiddenLine xmlns="" xmlns:a14="http://schemas.microsoft.com/office/drawing/2010/main" w="9525">
+                  <a14:hiddenLine xmlns:a14="http://schemas.microsoft.com/office/drawing/2010/main" xmlns="" w="9525">
                     <a:solidFill>
                       <a:srgbClr val="000000"/>
                     </a:solidFill>
@@ -9383,7 +9383,7 @@
               </a:ln>
               <a:extLst>
                 <a:ext uri="{91240B29-F687-4f45-9708-019B960494DF}">
-                  <a14:hiddenLine xmlns="" xmlns:a14="http://schemas.microsoft.com/office/drawing/2010/main" w="9525">
+                  <a14:hiddenLine xmlns:a14="http://schemas.microsoft.com/office/drawing/2010/main" xmlns="" w="9525">
                     <a:solidFill>
                       <a:srgbClr val="000000"/>
                     </a:solidFill>
@@ -9473,7 +9473,7 @@
               </a:ln>
               <a:extLst>
                 <a:ext uri="{91240B29-F687-4f45-9708-019B960494DF}">
-                  <a14:hiddenLine xmlns="" xmlns:a14="http://schemas.microsoft.com/office/drawing/2010/main" w="9525">
+                  <a14:hiddenLine xmlns:a14="http://schemas.microsoft.com/office/drawing/2010/main" xmlns="" w="9525">
                     <a:solidFill>
                       <a:srgbClr val="000000"/>
                     </a:solidFill>
@@ -9535,7 +9535,7 @@
               </a:ln>
               <a:extLst>
                 <a:ext uri="{91240B29-F687-4f45-9708-019B960494DF}">
-                  <a14:hiddenLine xmlns="" xmlns:a14="http://schemas.microsoft.com/office/drawing/2010/main" w="9525">
+                  <a14:hiddenLine xmlns:a14="http://schemas.microsoft.com/office/drawing/2010/main" xmlns="" w="9525">
                     <a:solidFill>
                       <a:srgbClr val="000000"/>
                     </a:solidFill>
@@ -9597,7 +9597,7 @@
               </a:ln>
               <a:extLst>
                 <a:ext uri="{91240B29-F687-4f45-9708-019B960494DF}">
-                  <a14:hiddenLine xmlns="" xmlns:a14="http://schemas.microsoft.com/office/drawing/2010/main" w="9525">
+                  <a14:hiddenLine xmlns:a14="http://schemas.microsoft.com/office/drawing/2010/main" xmlns="" w="9525">
                     <a:solidFill>
                       <a:srgbClr val="000000"/>
                     </a:solidFill>
@@ -9687,7 +9687,7 @@
               </a:ln>
               <a:extLst>
                 <a:ext uri="{91240B29-F687-4f45-9708-019B960494DF}">
-                  <a14:hiddenLine xmlns="" xmlns:a14="http://schemas.microsoft.com/office/drawing/2010/main" w="9525">
+                  <a14:hiddenLine xmlns:a14="http://schemas.microsoft.com/office/drawing/2010/main" xmlns="" w="9525">
                     <a:solidFill>
                       <a:srgbClr val="000000"/>
                     </a:solidFill>
@@ -9777,7 +9777,7 @@
               </a:ln>
               <a:extLst>
                 <a:ext uri="{91240B29-F687-4f45-9708-019B960494DF}">
-                  <a14:hiddenLine xmlns="" xmlns:a14="http://schemas.microsoft.com/office/drawing/2010/main" w="9525">
+                  <a14:hiddenLine xmlns:a14="http://schemas.microsoft.com/office/drawing/2010/main" xmlns="" w="9525">
                     <a:solidFill>
                       <a:srgbClr val="000000"/>
                     </a:solidFill>
@@ -9839,7 +9839,7 @@
               </a:ln>
               <a:extLst>
                 <a:ext uri="{91240B29-F687-4f45-9708-019B960494DF}">
-                  <a14:hiddenLine xmlns="" xmlns:a14="http://schemas.microsoft.com/office/drawing/2010/main" w="9525">
+                  <a14:hiddenLine xmlns:a14="http://schemas.microsoft.com/office/drawing/2010/main" xmlns="" w="9525">
                     <a:solidFill>
                       <a:srgbClr val="000000"/>
                     </a:solidFill>
@@ -9949,7 +9949,7 @@
               </a:ln>
               <a:extLst>
                 <a:ext uri="{91240B29-F687-4f45-9708-019B960494DF}">
-                  <a14:hiddenLine xmlns="" xmlns:a14="http://schemas.microsoft.com/office/drawing/2010/main" w="9525">
+                  <a14:hiddenLine xmlns:a14="http://schemas.microsoft.com/office/drawing/2010/main" xmlns="" w="9525">
                     <a:solidFill>
                       <a:srgbClr val="000000"/>
                     </a:solidFill>
@@ -10033,7 +10033,7 @@
               </a:ln>
               <a:extLst>
                 <a:ext uri="{91240B29-F687-4f45-9708-019B960494DF}">
-                  <a14:hiddenLine xmlns="" xmlns:a14="http://schemas.microsoft.com/office/drawing/2010/main" w="9525">
+                  <a14:hiddenLine xmlns:a14="http://schemas.microsoft.com/office/drawing/2010/main" xmlns="" w="9525">
                     <a:solidFill>
                       <a:srgbClr val="000000"/>
                     </a:solidFill>
@@ -10095,7 +10095,7 @@
               </a:ln>
               <a:extLst>
                 <a:ext uri="{91240B29-F687-4f45-9708-019B960494DF}">
-                  <a14:hiddenLine xmlns="" xmlns:a14="http://schemas.microsoft.com/office/drawing/2010/main" w="9525">
+                  <a14:hiddenLine xmlns:a14="http://schemas.microsoft.com/office/drawing/2010/main" xmlns="" w="9525">
                     <a:solidFill>
                       <a:srgbClr val="000000"/>
                     </a:solidFill>
@@ -10157,7 +10157,7 @@
               </a:ln>
               <a:extLst>
                 <a:ext uri="{91240B29-F687-4f45-9708-019B960494DF}">
-                  <a14:hiddenLine xmlns="" xmlns:a14="http://schemas.microsoft.com/office/drawing/2010/main" w="9525">
+                  <a14:hiddenLine xmlns:a14="http://schemas.microsoft.com/office/drawing/2010/main" xmlns="" w="9525">
                     <a:solidFill>
                       <a:srgbClr val="000000"/>
                     </a:solidFill>
@@ -10247,7 +10247,7 @@
               </a:ln>
               <a:extLst>
                 <a:ext uri="{91240B29-F687-4f45-9708-019B960494DF}">
-                  <a14:hiddenLine xmlns="" xmlns:a14="http://schemas.microsoft.com/office/drawing/2010/main" w="9525">
+                  <a14:hiddenLine xmlns:a14="http://schemas.microsoft.com/office/drawing/2010/main" xmlns="" w="9525">
                     <a:solidFill>
                       <a:srgbClr val="000000"/>
                     </a:solidFill>
@@ -10281,7 +10281,7 @@
               </a:ln>
               <a:extLst>
                 <a:ext uri="{91240B29-F687-4f45-9708-019B960494DF}">
-                  <a14:hiddenLine xmlns="" xmlns:a14="http://schemas.microsoft.com/office/drawing/2010/main" w="9525">
+                  <a14:hiddenLine xmlns:a14="http://schemas.microsoft.com/office/drawing/2010/main" xmlns="" w="9525">
                     <a:solidFill>
                       <a:srgbClr val="000000"/>
                     </a:solidFill>
@@ -10346,7 +10346,7 @@
               </a:ln>
               <a:extLst>
                 <a:ext uri="{91240B29-F687-4f45-9708-019B960494DF}">
-                  <a14:hiddenLine xmlns="" xmlns:a14="http://schemas.microsoft.com/office/drawing/2010/main" w="9525">
+                  <a14:hiddenLine xmlns:a14="http://schemas.microsoft.com/office/drawing/2010/main" xmlns="" w="9525">
                     <a:solidFill>
                       <a:srgbClr val="000000"/>
                     </a:solidFill>
@@ -10436,7 +10436,7 @@
               </a:ln>
               <a:extLst>
                 <a:ext uri="{91240B29-F687-4f45-9708-019B960494DF}">
-                  <a14:hiddenLine xmlns="" xmlns:a14="http://schemas.microsoft.com/office/drawing/2010/main" w="9525">
+                  <a14:hiddenLine xmlns:a14="http://schemas.microsoft.com/office/drawing/2010/main" xmlns="" w="9525">
                     <a:solidFill>
                       <a:srgbClr val="000000"/>
                     </a:solidFill>
@@ -10498,7 +10498,7 @@
               </a:ln>
               <a:extLst>
                 <a:ext uri="{91240B29-F687-4f45-9708-019B960494DF}">
-                  <a14:hiddenLine xmlns="" xmlns:a14="http://schemas.microsoft.com/office/drawing/2010/main" w="9525">
+                  <a14:hiddenLine xmlns:a14="http://schemas.microsoft.com/office/drawing/2010/main" xmlns="" w="9525">
                     <a:solidFill>
                       <a:srgbClr val="000000"/>
                     </a:solidFill>
@@ -10588,7 +10588,7 @@
               </a:ln>
               <a:extLst>
                 <a:ext uri="{91240B29-F687-4f45-9708-019B960494DF}">
-                  <a14:hiddenLine xmlns="" xmlns:a14="http://schemas.microsoft.com/office/drawing/2010/main" w="9525">
+                  <a14:hiddenLine xmlns:a14="http://schemas.microsoft.com/office/drawing/2010/main" xmlns="" w="9525">
                     <a:solidFill>
                       <a:srgbClr val="000000"/>
                     </a:solidFill>
@@ -10653,7 +10653,7 @@
               </a:ln>
               <a:extLst>
                 <a:ext uri="{91240B29-F687-4f45-9708-019B960494DF}">
-                  <a14:hiddenLine xmlns="" xmlns:a14="http://schemas.microsoft.com/office/drawing/2010/main" w="9525">
+                  <a14:hiddenLine xmlns:a14="http://schemas.microsoft.com/office/drawing/2010/main" xmlns="" w="9525">
                     <a:solidFill>
                       <a:srgbClr val="000000"/>
                     </a:solidFill>
@@ -10715,7 +10715,7 @@
               </a:ln>
               <a:extLst>
                 <a:ext uri="{91240B29-F687-4f45-9708-019B960494DF}">
-                  <a14:hiddenLine xmlns="" xmlns:a14="http://schemas.microsoft.com/office/drawing/2010/main" w="9525">
+                  <a14:hiddenLine xmlns:a14="http://schemas.microsoft.com/office/drawing/2010/main" xmlns="" w="9525">
                     <a:solidFill>
                       <a:srgbClr val="000000"/>
                     </a:solidFill>
@@ -10805,7 +10805,7 @@
               </a:ln>
               <a:extLst>
                 <a:ext uri="{91240B29-F687-4f45-9708-019B960494DF}">
-                  <a14:hiddenLine xmlns="" xmlns:a14="http://schemas.microsoft.com/office/drawing/2010/main" w="9525">
+                  <a14:hiddenLine xmlns:a14="http://schemas.microsoft.com/office/drawing/2010/main" xmlns="" w="9525">
                     <a:solidFill>
                       <a:srgbClr val="000000"/>
                     </a:solidFill>
@@ -10895,7 +10895,7 @@
               </a:ln>
               <a:extLst>
                 <a:ext uri="{91240B29-F687-4f45-9708-019B960494DF}">
-                  <a14:hiddenLine xmlns="" xmlns:a14="http://schemas.microsoft.com/office/drawing/2010/main" w="9525">
+                  <a14:hiddenLine xmlns:a14="http://schemas.microsoft.com/office/drawing/2010/main" xmlns="" w="9525">
                     <a:solidFill>
                       <a:srgbClr val="000000"/>
                     </a:solidFill>
@@ -10960,7 +10960,7 @@
               </a:ln>
               <a:extLst>
                 <a:ext uri="{91240B29-F687-4f45-9708-019B960494DF}">
-                  <a14:hiddenLine xmlns="" xmlns:a14="http://schemas.microsoft.com/office/drawing/2010/main" w="9525">
+                  <a14:hiddenLine xmlns:a14="http://schemas.microsoft.com/office/drawing/2010/main" xmlns="" w="9525">
                     <a:solidFill>
                       <a:srgbClr val="000000"/>
                     </a:solidFill>
@@ -11080,7 +11080,7 @@
               </a:ln>
               <a:extLst>
                 <a:ext uri="{91240B29-F687-4f45-9708-019B960494DF}">
-                  <a14:hiddenLine xmlns="" xmlns:a14="http://schemas.microsoft.com/office/drawing/2010/main" w="9525">
+                  <a14:hiddenLine xmlns:a14="http://schemas.microsoft.com/office/drawing/2010/main" xmlns="" w="9525">
                     <a:solidFill>
                       <a:srgbClr val="000000"/>
                     </a:solidFill>
@@ -11178,7 +11178,7 @@
               </a:ln>
               <a:extLst>
                 <a:ext uri="{91240B29-F687-4f45-9708-019B960494DF}">
-                  <a14:hiddenLine xmlns="" xmlns:a14="http://schemas.microsoft.com/office/drawing/2010/main" w="9525">
+                  <a14:hiddenLine xmlns:a14="http://schemas.microsoft.com/office/drawing/2010/main" xmlns="" w="9525">
                     <a:solidFill>
                       <a:srgbClr val="000000"/>
                     </a:solidFill>
@@ -11293,7 +11293,7 @@
               </a:ln>
               <a:extLst>
                 <a:ext uri="{91240B29-F687-4f45-9708-019B960494DF}">
-                  <a14:hiddenLine xmlns="" xmlns:a14="http://schemas.microsoft.com/office/drawing/2010/main" w="9525">
+                  <a14:hiddenLine xmlns:a14="http://schemas.microsoft.com/office/drawing/2010/main" xmlns="" w="9525">
                     <a:solidFill>
                       <a:srgbClr val="000000"/>
                     </a:solidFill>
@@ -11383,7 +11383,7 @@
               </a:ln>
               <a:extLst>
                 <a:ext uri="{91240B29-F687-4f45-9708-019B960494DF}">
-                  <a14:hiddenLine xmlns="" xmlns:a14="http://schemas.microsoft.com/office/drawing/2010/main" w="9525">
+                  <a14:hiddenLine xmlns:a14="http://schemas.microsoft.com/office/drawing/2010/main" xmlns="" w="9525">
                     <a:solidFill>
                       <a:srgbClr val="000000"/>
                     </a:solidFill>
@@ -11448,7 +11448,7 @@
               </a:ln>
               <a:extLst>
                 <a:ext uri="{91240B29-F687-4f45-9708-019B960494DF}">
-                  <a14:hiddenLine xmlns="" xmlns:a14="http://schemas.microsoft.com/office/drawing/2010/main" w="9525">
+                  <a14:hiddenLine xmlns:a14="http://schemas.microsoft.com/office/drawing/2010/main" xmlns="" w="9525">
                     <a:solidFill>
                       <a:srgbClr val="000000"/>
                     </a:solidFill>
@@ -11538,7 +11538,7 @@
               </a:ln>
               <a:extLst>
                 <a:ext uri="{91240B29-F687-4f45-9708-019B960494DF}">
-                  <a14:hiddenLine xmlns="" xmlns:a14="http://schemas.microsoft.com/office/drawing/2010/main" w="9525">
+                  <a14:hiddenLine xmlns:a14="http://schemas.microsoft.com/office/drawing/2010/main" xmlns="" w="9525">
                     <a:solidFill>
                       <a:srgbClr val="000000"/>
                     </a:solidFill>
@@ -11606,7 +11606,7 @@
               </a:ln>
               <a:extLst>
                 <a:ext uri="{91240B29-F687-4f45-9708-019B960494DF}">
-                  <a14:hiddenLine xmlns="" xmlns:a14="http://schemas.microsoft.com/office/drawing/2010/main" w="9525">
+                  <a14:hiddenLine xmlns:a14="http://schemas.microsoft.com/office/drawing/2010/main" xmlns="" w="9525">
                     <a:solidFill>
                       <a:srgbClr val="000000"/>
                     </a:solidFill>
@@ -11696,7 +11696,7 @@
               </a:ln>
               <a:extLst>
                 <a:ext uri="{91240B29-F687-4f45-9708-019B960494DF}">
-                  <a14:hiddenLine xmlns="" xmlns:a14="http://schemas.microsoft.com/office/drawing/2010/main" w="9525">
+                  <a14:hiddenLine xmlns:a14="http://schemas.microsoft.com/office/drawing/2010/main" xmlns="" w="9525">
                     <a:solidFill>
                       <a:srgbClr val="000000"/>
                     </a:solidFill>
@@ -11764,7 +11764,7 @@
               </a:ln>
               <a:extLst>
                 <a:ext uri="{91240B29-F687-4f45-9708-019B960494DF}">
-                  <a14:hiddenLine xmlns="" xmlns:a14="http://schemas.microsoft.com/office/drawing/2010/main" w="9525">
+                  <a14:hiddenLine xmlns:a14="http://schemas.microsoft.com/office/drawing/2010/main" xmlns="" w="9525">
                     <a:solidFill>
                       <a:srgbClr val="000000"/>
                     </a:solidFill>
@@ -11854,7 +11854,7 @@
               </a:ln>
               <a:extLst>
                 <a:ext uri="{91240B29-F687-4f45-9708-019B960494DF}">
-                  <a14:hiddenLine xmlns="" xmlns:a14="http://schemas.microsoft.com/office/drawing/2010/main" w="9525">
+                  <a14:hiddenLine xmlns:a14="http://schemas.microsoft.com/office/drawing/2010/main" xmlns="" w="9525">
                     <a:solidFill>
                       <a:srgbClr val="000000"/>
                     </a:solidFill>
@@ -11888,7 +11888,7 @@
               </a:ln>
               <a:extLst>
                 <a:ext uri="{91240B29-F687-4f45-9708-019B960494DF}">
-                  <a14:hiddenLine xmlns="" xmlns:a14="http://schemas.microsoft.com/office/drawing/2010/main" w="9525">
+                  <a14:hiddenLine xmlns:a14="http://schemas.microsoft.com/office/drawing/2010/main" xmlns="" w="9525">
                     <a:solidFill>
                       <a:srgbClr val="000000"/>
                     </a:solidFill>
@@ -12028,7 +12028,7 @@
           <a:p>
             <a:fld id="{56A16C53-2A24-4586-AB7F-B53C9D96C8C3}" type="datetimeFigureOut">
               <a:rPr lang="en-US" smtClean="0"/>
-              <a:t>10/19/20</a:t>
+              <a:t>2020-10-19</a:t>
             </a:fld>
             <a:endParaRPr lang="en-US"/>
           </a:p>
@@ -14886,7 +14886,7 @@
           <p:nvPr>
             <p:extLst>
               <p:ext uri="{D42A27DB-BD31-4B8C-83A1-F6EECF244321}">
-                <p14:modId xmlns:p14="http://schemas.microsoft.com/office/powerpoint/2010/main" val="1673465517"/>
+                <p14:modId xmlns:p14="http://schemas.microsoft.com/office/powerpoint/2010/main" val="3024381986"/>
               </p:ext>
             </p:extLst>
           </p:nvPr>
@@ -14958,7 +14958,7 @@
                     <a:p>
                       <a:r>
                         <a:rPr lang="en-US" dirty="0"/>
-                        <a:t>Base-MLP</a:t>
+                        <a:t>Best-DT</a:t>
                       </a:r>
                     </a:p>
                   </a:txBody>
@@ -14971,7 +14971,7 @@
                     <a:p>
                       <a:r>
                         <a:rPr lang="en-US" dirty="0"/>
-                        <a:t>GNB</a:t>
+                        <a:t>Best-DT</a:t>
                       </a:r>
                     </a:p>
                   </a:txBody>
@@ -15103,6 +15103,50 @@
           </a:graphicData>
         </a:graphic>
       </p:graphicFrame>
+      <p:sp>
+        <p:nvSpPr>
+          <p:cNvPr id="3" name="TextBox 2">
+            <a:extLst>
+              <a:ext uri="{FF2B5EF4-FFF2-40B4-BE49-F238E27FC236}">
+                <a16:creationId xmlns:a16="http://schemas.microsoft.com/office/drawing/2014/main" id="{F7012848-18B9-4045-9752-5D591CBE8F7A}"/>
+              </a:ext>
+            </a:extLst>
+          </p:cNvPr>
+          <p:cNvSpPr txBox="1"/>
+          <p:nvPr/>
+        </p:nvSpPr>
+        <p:spPr>
+          <a:xfrm>
+            <a:off x="1139825" y="4245617"/>
+            <a:ext cx="8777061" cy="1477328"/>
+          </a:xfrm>
+          <a:prstGeom prst="rect">
+            <a:avLst/>
+          </a:prstGeom>
+          <a:noFill/>
+        </p:spPr>
+        <p:txBody>
+          <a:bodyPr wrap="square" rtlCol="0">
+            <a:spAutoFit/>
+          </a:bodyPr>
+          <a:lstStyle/>
+          <a:p>
+            <a:r>
+              <a:rPr lang="en-US" dirty="0"/>
+              <a:t>Overall, the decision tree models also performed relatively poorly compared to the rest, due to fact that it tended to overfit a lot of the data.</a:t>
+            </a:r>
+          </a:p>
+          <a:p>
+            <a:endParaRPr lang="en-US" dirty="0"/>
+          </a:p>
+          <a:p>
+            <a:r>
+              <a:rPr lang="en-US" dirty="0"/>
+              <a:t>GNB also performed relatively poorly, especially on dataset 2 because of the nature of the naïve algorithm and the fact that the data is not normally distributed.</a:t>
+            </a:r>
+          </a:p>
+        </p:txBody>
+      </p:sp>
     </p:spTree>
     <p:extLst>
       <p:ext uri="{BB962C8B-B14F-4D97-AF65-F5344CB8AC3E}">
